--- a/FORHACK.pptx
+++ b/FORHACK.pptx
@@ -8,7 +8,8 @@
     <p:sldId id="256" r:id="rId2"/>
     <p:sldId id="258" r:id="rId3"/>
     <p:sldId id="257" r:id="rId4"/>
-    <p:sldId id="259" r:id="rId5"/>
+    <p:sldId id="260" r:id="rId5"/>
+    <p:sldId id="259" r:id="rId6"/>
   </p:sldIdLst>
   <p:sldSz cx="12192000" cy="6858000"/>
   <p:notesSz cx="6858000" cy="9144000"/>
@@ -4868,6 +4869,455 @@
 </file>
 
 <file path=ppt/slides/slide4.xml><?xml version="1.0" encoding="utf-8"?>
+<p:sld xmlns:a="http://schemas.openxmlformats.org/drawingml/2006/main" xmlns:r="http://schemas.openxmlformats.org/officeDocument/2006/relationships" xmlns:p="http://schemas.openxmlformats.org/presentationml/2006/main">
+  <p:cSld>
+    <p:bg>
+      <p:bgPr>
+        <a:solidFill>
+          <a:schemeClr val="bg1"/>
+        </a:solidFill>
+        <a:effectLst/>
+      </p:bgPr>
+    </p:bg>
+    <p:spTree>
+      <p:nvGrpSpPr>
+        <p:cNvPr id="1" name=""/>
+        <p:cNvGrpSpPr/>
+        <p:nvPr/>
+      </p:nvGrpSpPr>
+      <p:grpSpPr>
+        <a:xfrm>
+          <a:off x="0" y="0"/>
+          <a:ext cx="0" cy="0"/>
+          <a:chOff x="0" y="0"/>
+          <a:chExt cx="0" cy="0"/>
+        </a:xfrm>
+      </p:grpSpPr>
+      <p:sp>
+        <p:nvSpPr>
+          <p:cNvPr id="10" name="Rectangle 9">
+            <a:extLst>
+              <a:ext uri="{FF2B5EF4-FFF2-40B4-BE49-F238E27FC236}">
+                <a16:creationId xmlns:a16="http://schemas.microsoft.com/office/drawing/2014/main" id="{4DA90C30-B990-4CCA-B584-40F864DA3A82}"/>
+              </a:ext>
+              <a:ext uri="{C183D7F6-B498-43B3-948B-1728B52AA6E4}">
+                <adec:decorative xmlns:adec="http://schemas.microsoft.com/office/drawing/2017/decorative" val="1"/>
+              </a:ext>
+            </a:extLst>
+          </p:cNvPr>
+          <p:cNvSpPr>
+            <a:spLocks noGrp="1" noRot="1" noChangeAspect="1" noMove="1" noResize="1" noEditPoints="1" noAdjustHandles="1" noChangeArrowheads="1" noChangeShapeType="1" noTextEdit="1"/>
+          </p:cNvSpPr>
+          <p:nvPr>
+            <p:extLst>
+              <p:ext uri="{386F3935-93C4-4BCD-93E2-E3B085C9AB24}">
+                <p16:designElem xmlns:p16="http://schemas.microsoft.com/office/powerpoint/2015/main" val="1"/>
+              </p:ext>
+            </p:extLst>
+          </p:nvPr>
+        </p:nvSpPr>
+        <p:spPr>
+          <a:xfrm>
+            <a:off x="0" y="0"/>
+            <a:ext cx="7545274" cy="6857999"/>
+          </a:xfrm>
+          <a:prstGeom prst="rect">
+            <a:avLst/>
+          </a:prstGeom>
+          <a:blipFill dpi="0" rotWithShape="1">
+            <a:blip r:embed="rId2">
+              <a:alphaModFix amt="60000"/>
+              <a:lum bright="70000" contrast="-70000"/>
+              <a:extLst>
+                <a:ext uri="{BEBA8EAE-BF5A-486C-A8C5-ECC9F3942E4B}">
+                  <a14:imgProps xmlns:a14="http://schemas.microsoft.com/office/drawing/2010/main">
+                    <a14:imgLayer r:embed="rId3">
+                      <a14:imgEffect>
+                        <a14:sharpenSoften amount="61000"/>
+                      </a14:imgEffect>
+                    </a14:imgLayer>
+                  </a14:imgProps>
+                </a:ext>
+                <a:ext uri="{28A0092B-C50C-407E-A947-70E740481C1C}">
+                  <a14:useLocalDpi xmlns:a14="http://schemas.microsoft.com/office/drawing/2010/main" val="0"/>
+                </a:ext>
+              </a:extLst>
+            </a:blip>
+            <a:srcRect/>
+            <a:tile tx="0" ty="-704850" sx="92000" sy="89000" flip="xy" algn="ctr"/>
+          </a:blipFill>
+          <a:ln>
+            <a:noFill/>
+          </a:ln>
+        </p:spPr>
+        <p:style>
+          <a:lnRef idx="2">
+            <a:schemeClr val="accent1">
+              <a:shade val="50000"/>
+            </a:schemeClr>
+          </a:lnRef>
+          <a:fillRef idx="1">
+            <a:schemeClr val="accent1"/>
+          </a:fillRef>
+          <a:effectRef idx="0">
+            <a:schemeClr val="accent1"/>
+          </a:effectRef>
+          <a:fontRef idx="minor">
+            <a:schemeClr val="lt1"/>
+          </a:fontRef>
+        </p:style>
+        <p:txBody>
+          <a:bodyPr rtlCol="0" anchor="ctr"/>
+          <a:lstStyle/>
+          <a:p>
+            <a:pPr algn="ctr"/>
+            <a:endParaRPr lang="en-US"/>
+          </a:p>
+        </p:txBody>
+      </p:sp>
+      <p:sp>
+        <p:nvSpPr>
+          <p:cNvPr id="2" name="Title 1">
+            <a:extLst>
+              <a:ext uri="{FF2B5EF4-FFF2-40B4-BE49-F238E27FC236}">
+                <a16:creationId xmlns:a16="http://schemas.microsoft.com/office/drawing/2014/main" id="{0A7A7079-AE52-4D64-947A-15E3AA6B61AA}"/>
+              </a:ext>
+            </a:extLst>
+          </p:cNvPr>
+          <p:cNvSpPr>
+            <a:spLocks noGrp="1"/>
+          </p:cNvSpPr>
+          <p:nvPr>
+            <p:ph type="title"/>
+          </p:nvPr>
+        </p:nvSpPr>
+        <p:spPr>
+          <a:xfrm>
+            <a:off x="382280" y="484632"/>
+            <a:ext cx="6743844" cy="1609344"/>
+          </a:xfrm>
+        </p:spPr>
+        <p:txBody>
+          <a:bodyPr>
+            <a:normAutofit/>
+          </a:bodyPr>
+          <a:lstStyle/>
+          <a:p>
+            <a:r>
+              <a:rPr lang="bg-BG" sz="3700"/>
+              <a:t>Програми при разработката на проекта</a:t>
+            </a:r>
+            <a:endParaRPr lang="en-US" sz="3700"/>
+          </a:p>
+        </p:txBody>
+      </p:sp>
+      <p:sp>
+        <p:nvSpPr>
+          <p:cNvPr id="3" name="Content Placeholder 2">
+            <a:extLst>
+              <a:ext uri="{FF2B5EF4-FFF2-40B4-BE49-F238E27FC236}">
+                <a16:creationId xmlns:a16="http://schemas.microsoft.com/office/drawing/2014/main" id="{41C4A39D-E848-4464-A2C9-067B4CCA8F96}"/>
+              </a:ext>
+            </a:extLst>
+          </p:cNvPr>
+          <p:cNvSpPr>
+            <a:spLocks noGrp="1"/>
+          </p:cNvSpPr>
+          <p:nvPr>
+            <p:ph idx="1"/>
+          </p:nvPr>
+        </p:nvSpPr>
+        <p:spPr>
+          <a:xfrm>
+            <a:off x="382279" y="2121408"/>
+            <a:ext cx="6743845" cy="4050792"/>
+          </a:xfrm>
+        </p:spPr>
+        <p:txBody>
+          <a:bodyPr>
+            <a:normAutofit/>
+          </a:bodyPr>
+          <a:lstStyle/>
+          <a:p>
+            <a:r>
+              <a:rPr lang="en-US" sz="1800"/>
+              <a:t>Visual Studio 2k17</a:t>
+            </a:r>
+          </a:p>
+          <a:p>
+            <a:r>
+              <a:rPr lang="en-US" sz="1800"/>
+              <a:t>Code Blocks</a:t>
+            </a:r>
+          </a:p>
+          <a:p>
+            <a:r>
+              <a:rPr lang="en-US" sz="1800"/>
+              <a:t>YouTube/Telerik Academy</a:t>
+            </a:r>
+          </a:p>
+          <a:p>
+            <a:r>
+              <a:rPr lang="en-US" sz="1800"/>
+              <a:t>GIMP 2.10</a:t>
+            </a:r>
+          </a:p>
+          <a:p>
+            <a:r>
+              <a:rPr lang="en-US" sz="1800"/>
+              <a:t>MSYS_2(Command prompt)</a:t>
+            </a:r>
+          </a:p>
+          <a:p>
+            <a:endParaRPr lang="en-US" sz="1800"/>
+          </a:p>
+        </p:txBody>
+      </p:sp>
+      <p:pic>
+        <p:nvPicPr>
+          <p:cNvPr id="5" name="Picture 4">
+            <a:extLst>
+              <a:ext uri="{FF2B5EF4-FFF2-40B4-BE49-F238E27FC236}">
+                <a16:creationId xmlns:a16="http://schemas.microsoft.com/office/drawing/2014/main" id="{C71CA6FC-46D3-42F5-A605-B4499D6FA38E}"/>
+              </a:ext>
+            </a:extLst>
+          </p:cNvPr>
+          <p:cNvPicPr>
+            <a:picLocks noChangeAspect="1"/>
+          </p:cNvPicPr>
+          <p:nvPr/>
+        </p:nvPicPr>
+        <p:blipFill>
+          <a:blip r:embed="rId4">
+            <a:extLst>
+              <a:ext uri="{28A0092B-C50C-407E-A947-70E740481C1C}">
+                <a14:useLocalDpi xmlns:a14="http://schemas.microsoft.com/office/drawing/2010/main" val="0"/>
+              </a:ext>
+            </a:extLst>
+          </a:blip>
+          <a:stretch>
+            <a:fillRect/>
+          </a:stretch>
+        </p:blipFill>
+        <p:spPr>
+          <a:xfrm>
+            <a:off x="8261147" y="1690069"/>
+            <a:ext cx="3369177" cy="3477860"/>
+          </a:xfrm>
+          <a:prstGeom prst="rect">
+            <a:avLst/>
+          </a:prstGeom>
+        </p:spPr>
+      </p:pic>
+      <p:grpSp>
+        <p:nvGrpSpPr>
+          <p:cNvPr id="12" name="Group 11">
+            <a:extLst>
+              <a:ext uri="{FF2B5EF4-FFF2-40B4-BE49-F238E27FC236}">
+                <a16:creationId xmlns:a16="http://schemas.microsoft.com/office/drawing/2014/main" id="{D060B936-2771-48DC-842C-14EE9318E3E2}"/>
+              </a:ext>
+              <a:ext uri="{C183D7F6-B498-43B3-948B-1728B52AA6E4}">
+                <adec:decorative xmlns:adec="http://schemas.microsoft.com/office/drawing/2017/decorative" val="1"/>
+              </a:ext>
+            </a:extLst>
+          </p:cNvPr>
+          <p:cNvGrpSpPr>
+            <a:grpSpLocks noGrp="1" noUngrp="1" noRot="1" noChangeAspect="1" noMove="1" noResize="1"/>
+          </p:cNvGrpSpPr>
+          <p:nvPr>
+            <p:extLst>
+              <p:ext uri="{386F3935-93C4-4BCD-93E2-E3B085C9AB24}">
+                <p16:designElem xmlns:p16="http://schemas.microsoft.com/office/powerpoint/2015/main" val="1"/>
+              </p:ext>
+            </p:extLst>
+          </p:nvPr>
+        </p:nvGrpSpPr>
+        <p:grpSpPr>
+          <a:xfrm>
+            <a:off x="11401725" y="6229681"/>
+            <a:ext cx="457200" cy="457200"/>
+            <a:chOff x="11361456" y="6195813"/>
+            <a:chExt cx="548640" cy="548640"/>
+          </a:xfrm>
+        </p:grpSpPr>
+        <p:sp>
+          <p:nvSpPr>
+            <p:cNvPr id="13" name="Oval 12">
+              <a:extLst>
+                <a:ext uri="{FF2B5EF4-FFF2-40B4-BE49-F238E27FC236}">
+                  <a16:creationId xmlns:a16="http://schemas.microsoft.com/office/drawing/2014/main" id="{DB4EC8B4-4BB2-45C2-A68A-28E36AC10E2D}"/>
+                </a:ext>
+                <a:ext uri="{C183D7F6-B498-43B3-948B-1728B52AA6E4}">
+                  <adec:decorative xmlns:adec="http://schemas.microsoft.com/office/drawing/2017/decorative" val="1"/>
+                </a:ext>
+              </a:extLst>
+            </p:cNvPr>
+            <p:cNvSpPr/>
+            <p:nvPr>
+              <p:extLst>
+                <p:ext uri="{386F3935-93C4-4BCD-93E2-E3B085C9AB24}">
+                  <p16:designElem xmlns:p16="http://schemas.microsoft.com/office/powerpoint/2015/main" val="1"/>
+                </p:ext>
+              </p:extLst>
+            </p:nvPr>
+          </p:nvSpPr>
+          <p:spPr>
+            <a:xfrm>
+              <a:off x="11361456" y="6195813"/>
+              <a:ext cx="548640" cy="548640"/>
+            </a:xfrm>
+            <a:prstGeom prst="ellipse">
+              <a:avLst/>
+            </a:prstGeom>
+            <a:blipFill dpi="0" rotWithShape="1">
+              <a:blip r:embed="rId5">
+                <a:duotone>
+                  <a:schemeClr val="accent1">
+                    <a:shade val="45000"/>
+                    <a:satMod val="135000"/>
+                  </a:schemeClr>
+                  <a:prstClr val="white"/>
+                </a:duotone>
+                <a:extLst/>
+              </a:blip>
+              <a:srcRect/>
+              <a:tile tx="50800" ty="0" sx="85000" sy="85000" flip="none" algn="tl"/>
+            </a:blipFill>
+            <a:ln w="25400" cap="flat" cmpd="sng" algn="ctr">
+              <a:noFill/>
+              <a:prstDash val="solid"/>
+            </a:ln>
+            <a:effectLst/>
+          </p:spPr>
+          <p:txBody>
+            <a:bodyPr lIns="0" tIns="0" rIns="0" bIns="0" rtlCol="0" anchor="ctr"/>
+            <a:lstStyle/>
+            <a:p>
+              <a:pPr marL="0" marR="0" lvl="0" indent="0" algn="ctr" defTabSz="914400" eaLnBrk="1" fontAlgn="auto" latinLnBrk="0" hangingPunct="1">
+                <a:lnSpc>
+                  <a:spcPct val="100000"/>
+                </a:lnSpc>
+                <a:spcBef>
+                  <a:spcPts val="0"/>
+                </a:spcBef>
+                <a:spcAft>
+                  <a:spcPts val="0"/>
+                </a:spcAft>
+                <a:buClrTx/>
+                <a:buSzTx/>
+                <a:buFontTx/>
+                <a:buNone/>
+                <a:tabLst/>
+                <a:defRPr/>
+              </a:pPr>
+              <a:endParaRPr kumimoji="0" lang="en-US" sz="2000" b="0" i="0" u="none" strike="noStrike" kern="0" cap="none" spc="0" normalizeH="0" baseline="0" noProof="0" dirty="0">
+                <a:ln>
+                  <a:noFill/>
+                </a:ln>
+                <a:solidFill>
+                  <a:prstClr val="white"/>
+                </a:solidFill>
+                <a:effectLst/>
+                <a:uLnTx/>
+                <a:uFillTx/>
+                <a:latin typeface="Rockwell Extra Bold" pitchFamily="18" charset="0"/>
+                <a:ea typeface="+mn-ea"/>
+                <a:cs typeface="+mn-cs"/>
+              </a:endParaRPr>
+            </a:p>
+          </p:txBody>
+        </p:sp>
+        <p:sp>
+          <p:nvSpPr>
+            <p:cNvPr id="14" name="Oval 13">
+              <a:extLst>
+                <a:ext uri="{FF2B5EF4-FFF2-40B4-BE49-F238E27FC236}">
+                  <a16:creationId xmlns:a16="http://schemas.microsoft.com/office/drawing/2014/main" id="{1431D296-F8F1-41C3-A211-E83E243C5156}"/>
+                </a:ext>
+                <a:ext uri="{C183D7F6-B498-43B3-948B-1728B52AA6E4}">
+                  <adec:decorative xmlns:adec="http://schemas.microsoft.com/office/drawing/2017/decorative" val="1"/>
+                </a:ext>
+              </a:extLst>
+            </p:cNvPr>
+            <p:cNvSpPr/>
+            <p:nvPr>
+              <p:extLst>
+                <p:ext uri="{386F3935-93C4-4BCD-93E2-E3B085C9AB24}">
+                  <p16:designElem xmlns:p16="http://schemas.microsoft.com/office/powerpoint/2015/main" val="1"/>
+                </p:ext>
+              </p:extLst>
+            </p:nvPr>
+          </p:nvSpPr>
+          <p:spPr>
+            <a:xfrm>
+              <a:off x="11396488" y="6230844"/>
+              <a:ext cx="478576" cy="478578"/>
+            </a:xfrm>
+            <a:prstGeom prst="ellipse">
+              <a:avLst/>
+            </a:prstGeom>
+            <a:noFill/>
+            <a:ln w="12700" cap="flat" cmpd="sng" algn="ctr">
+              <a:solidFill>
+                <a:srgbClr val="FFFFFF"/>
+              </a:solidFill>
+              <a:prstDash val="solid"/>
+            </a:ln>
+            <a:effectLst/>
+          </p:spPr>
+          <p:txBody>
+            <a:bodyPr rtlCol="0" anchor="ctr"/>
+            <a:lstStyle/>
+            <a:p>
+              <a:pPr marL="0" marR="0" lvl="0" indent="0" algn="ctr" defTabSz="914400" eaLnBrk="1" fontAlgn="auto" latinLnBrk="0" hangingPunct="1">
+                <a:lnSpc>
+                  <a:spcPct val="100000"/>
+                </a:lnSpc>
+                <a:spcBef>
+                  <a:spcPts val="0"/>
+                </a:spcBef>
+                <a:spcAft>
+                  <a:spcPts val="0"/>
+                </a:spcAft>
+                <a:buClrTx/>
+                <a:buSzTx/>
+                <a:buFontTx/>
+                <a:buNone/>
+                <a:tabLst/>
+                <a:defRPr/>
+              </a:pPr>
+              <a:endParaRPr kumimoji="0" lang="en-US" sz="1800" b="0" i="0" u="none" strike="noStrike" kern="0" cap="none" spc="0" normalizeH="0" baseline="0" noProof="0" dirty="0">
+                <a:ln>
+                  <a:noFill/>
+                </a:ln>
+                <a:solidFill>
+                  <a:prstClr val="white"/>
+                </a:solidFill>
+                <a:effectLst/>
+                <a:uLnTx/>
+                <a:uFillTx/>
+                <a:latin typeface="Calibri"/>
+                <a:ea typeface="+mn-ea"/>
+                <a:cs typeface="+mn-cs"/>
+              </a:endParaRPr>
+            </a:p>
+          </p:txBody>
+        </p:sp>
+      </p:grpSp>
+    </p:spTree>
+    <p:extLst>
+      <p:ext uri="{BB962C8B-B14F-4D97-AF65-F5344CB8AC3E}">
+        <p14:creationId xmlns:p14="http://schemas.microsoft.com/office/powerpoint/2010/main" val="2834286935"/>
+      </p:ext>
+    </p:extLst>
+  </p:cSld>
+  <p:clrMapOvr>
+    <a:masterClrMapping/>
+  </p:clrMapOvr>
+</p:sld>
+</file>
+
+<file path=ppt/slides/slide5.xml><?xml version="1.0" encoding="utf-8"?>
 <p:sld xmlns:a="http://schemas.openxmlformats.org/drawingml/2006/main" xmlns:r="http://schemas.openxmlformats.org/officeDocument/2006/relationships" xmlns:p="http://schemas.openxmlformats.org/presentationml/2006/main">
   <p:cSld>
     <p:bg>
